--- a/Data Science Journey.pptx
+++ b/Data Science Journey.pptx
@@ -2347,7 +2347,7 @@
         <p:spPr>
           <a:xfrm>
             <a:off x="467361" y="2091819"/>
-            <a:ext cx="11734799" cy="4082656"/>
+            <a:ext cx="11734799" cy="2762295"/>
           </a:xfrm>
           <a:prstGeom prst="rect">
             <a:avLst/>
@@ -3128,58 +3128,6 @@
               </a:spcBef>
             </a:pPr>
             <a:endParaRPr sz="2550" dirty="0">
-              <a:latin typeface="Carlito"/>
-              <a:cs typeface="Carlito"/>
-            </a:endParaRPr>
-          </a:p>
-          <a:p>
-            <a:pPr marL="16510" marR="1900555">
-              <a:lnSpc>
-                <a:spcPct val="148000"/>
-              </a:lnSpc>
-            </a:pPr>
-            <a:r>
-              <a:rPr sz="2000" u="heavy" spc="-5" dirty="0">
-                <a:solidFill>
-                  <a:srgbClr val="404040"/>
-                </a:solidFill>
-                <a:uFill>
-                  <a:solidFill>
-                    <a:srgbClr val="404040"/>
-                  </a:solidFill>
-                </a:uFill>
-                <a:latin typeface="Carlito"/>
-                <a:cs typeface="Carlito"/>
-              </a:rPr>
-              <a:t>GitHub url: </a:t>
-            </a:r>
-            <a:r>
-              <a:rPr sz="2000" spc="-5" dirty="0">
-                <a:solidFill>
-                  <a:srgbClr val="404040"/>
-                </a:solidFill>
-                <a:latin typeface="Carlito"/>
-                <a:cs typeface="Carlito"/>
-              </a:rPr>
-              <a:t> </a:t>
-            </a:r>
-            <a:r>
-              <a:rPr lang="en-IN" sz="2000" u="heavy" spc="-5" dirty="0">
-                <a:solidFill>
-                  <a:srgbClr val="2996E1"/>
-                </a:solidFill>
-                <a:uFill>
-                  <a:solidFill>
-                    <a:srgbClr val="2996E1"/>
-                  </a:solidFill>
-                </a:uFill>
-                <a:latin typeface="Carlito"/>
-                <a:cs typeface="Carlito"/>
-                <a:hlinkClick r:id="rId2"/>
-              </a:rPr>
-              <a:t>https://github.com/navassherif98/IBM_Data_Science_Professional_Certification/blob/master/10.Applied_Data_Science_Capstone/Week%201%20Introduction/Data%20wrangling%20.ipynb</a:t>
-            </a:r>
-            <a:endParaRPr sz="2000" dirty="0">
               <a:latin typeface="Carlito"/>
               <a:cs typeface="Carlito"/>
             </a:endParaRPr>
@@ -3352,7 +3300,7 @@
         <p:spPr>
           <a:xfrm>
             <a:off x="1176019" y="1824608"/>
-            <a:ext cx="9963150" cy="3583940"/>
+            <a:ext cx="9963150" cy="2543645"/>
           </a:xfrm>
           <a:prstGeom prst="rect">
             <a:avLst/>
@@ -4111,7 +4059,7 @@
               <a:t>the machine </a:t>
             </a:r>
             <a:r>
-              <a:rPr sz="2000" spc="-5" dirty="0">
+              <a:rPr sz="2000" spc="-5">
                 <a:solidFill>
                   <a:srgbClr val="404040"/>
                 </a:solidFill>
@@ -4121,7 +4069,7 @@
               <a:t>learning</a:t>
             </a:r>
             <a:r>
-              <a:rPr sz="2000" spc="-45" dirty="0">
+              <a:rPr sz="2000" spc="-45">
                 <a:solidFill>
                   <a:srgbClr val="404040"/>
                 </a:solidFill>
@@ -4131,7 +4079,7 @@
               <a:t> </a:t>
             </a:r>
             <a:r>
-              <a:rPr sz="2000" spc="-5" dirty="0">
+              <a:rPr sz="2000" spc="-5">
                 <a:solidFill>
                   <a:srgbClr val="404040"/>
                 </a:solidFill>
@@ -4139,76 +4087,6 @@
                 <a:cs typeface="Carlito"/>
               </a:rPr>
               <a:t>model</a:t>
-            </a:r>
-            <a:endParaRPr sz="2000" dirty="0">
-              <a:latin typeface="Carlito"/>
-              <a:cs typeface="Carlito"/>
-            </a:endParaRPr>
-          </a:p>
-          <a:p>
-            <a:pPr marL="12700" marR="5080">
-              <a:lnSpc>
-                <a:spcPct val="100000"/>
-              </a:lnSpc>
-              <a:spcBef>
-                <a:spcPts val="1105"/>
-              </a:spcBef>
-            </a:pPr>
-            <a:r>
-              <a:rPr sz="2000" u="heavy" dirty="0">
-                <a:solidFill>
-                  <a:srgbClr val="404040"/>
-                </a:solidFill>
-                <a:uFill>
-                  <a:solidFill>
-                    <a:srgbClr val="404040"/>
-                  </a:solidFill>
-                </a:uFill>
-                <a:latin typeface="Carlito"/>
-                <a:cs typeface="Carlito"/>
-              </a:rPr>
-              <a:t>GitHub </a:t>
-            </a:r>
-            <a:r>
-              <a:rPr sz="2000" u="heavy" spc="-5" dirty="0">
-                <a:solidFill>
-                  <a:srgbClr val="404040"/>
-                </a:solidFill>
-                <a:uFill>
-                  <a:solidFill>
-                    <a:srgbClr val="404040"/>
-                  </a:solidFill>
-                </a:uFill>
-                <a:latin typeface="Carlito"/>
-                <a:cs typeface="Carlito"/>
-              </a:rPr>
-              <a:t>url: </a:t>
-            </a:r>
-            <a:r>
-              <a:rPr sz="2000" spc="-5" dirty="0">
-                <a:solidFill>
-                  <a:srgbClr val="404040"/>
-                </a:solidFill>
-                <a:latin typeface="Carlito"/>
-                <a:cs typeface="Carlito"/>
-              </a:rPr>
-              <a:t> </a:t>
-            </a:r>
-            <a:r>
-              <a:rPr lang="en-IN" sz="2000" u="heavy" spc="-10" dirty="0">
-                <a:solidFill>
-                  <a:srgbClr val="2996E1"/>
-                </a:solidFill>
-                <a:uFill>
-                  <a:solidFill>
-                    <a:srgbClr val="404040"/>
-                  </a:solidFill>
-                </a:uFill>
-                <a:latin typeface="Carlito"/>
-                <a:cs typeface="Carlito"/>
-                <a:hlinkClick r:id="rId2"/>
-              </a:rPr>
-              <a:t>https://github.com/navassherif98/IBM_Data_Science_Professional_Certification/blob/master/10.Applied_Data_Science_Capstone/Week%202%20EDA/EDA%20with%20Visualization.ipynb</a:t>
             </a:r>
             <a:endParaRPr sz="2000" dirty="0">
               <a:latin typeface="Carlito"/>
@@ -4379,7 +4257,7 @@
         <p:spPr>
           <a:xfrm>
             <a:off x="1176019" y="1622485"/>
-            <a:ext cx="9687560" cy="3925570"/>
+            <a:ext cx="9687560" cy="2567369"/>
           </a:xfrm>
           <a:prstGeom prst="rect">
             <a:avLst/>
@@ -4846,73 +4724,6 @@
               </a:spcBef>
             </a:pPr>
             <a:endParaRPr sz="2450" dirty="0">
-              <a:latin typeface="Carlito"/>
-              <a:cs typeface="Carlito"/>
-            </a:endParaRPr>
-          </a:p>
-          <a:p>
-            <a:pPr marL="12700" marR="5080">
-              <a:lnSpc>
-                <a:spcPct val="149000"/>
-              </a:lnSpc>
-            </a:pPr>
-            <a:r>
-              <a:rPr sz="2000" u="heavy" dirty="0">
-                <a:solidFill>
-                  <a:srgbClr val="404040"/>
-                </a:solidFill>
-                <a:uFill>
-                  <a:solidFill>
-                    <a:srgbClr val="404040"/>
-                  </a:solidFill>
-                </a:uFill>
-                <a:latin typeface="Carlito"/>
-                <a:cs typeface="Carlito"/>
-              </a:rPr>
-              <a:t>GitHub </a:t>
-            </a:r>
-            <a:r>
-              <a:rPr sz="2000" u="heavy" spc="-5" dirty="0">
-                <a:solidFill>
-                  <a:srgbClr val="404040"/>
-                </a:solidFill>
-                <a:uFill>
-                  <a:solidFill>
-                    <a:srgbClr val="404040"/>
-                  </a:solidFill>
-                </a:uFill>
-                <a:latin typeface="Carlito"/>
-                <a:cs typeface="Carlito"/>
-              </a:rPr>
-              <a:t>url: </a:t>
-            </a:r>
-            <a:r>
-              <a:rPr sz="2000" spc="-5" dirty="0">
-                <a:solidFill>
-                  <a:srgbClr val="404040"/>
-                </a:solidFill>
-                <a:latin typeface="Carlito"/>
-                <a:cs typeface="Carlito"/>
-              </a:rPr>
-              <a:t> </a:t>
-            </a:r>
-            <a:r>
-              <a:rPr lang="en-IN" sz="2000" u="heavy" spc="-5" dirty="0">
-                <a:solidFill>
-                  <a:srgbClr val="2996E1"/>
-                </a:solidFill>
-                <a:uFill>
-                  <a:solidFill>
-                    <a:srgbClr val="2996E1"/>
-                  </a:solidFill>
-                </a:uFill>
-                <a:latin typeface="Carlito"/>
-                <a:cs typeface="Carlito"/>
-                <a:hlinkClick r:id="rId2"/>
-              </a:rPr>
-              <a:t>https://github.com/navassherif98/IBM_Data_Science_Professional_Certification/blob/master/10.Applied_Data_Science_Capstone/Week%202%20EDA/EDA%20with%20SQL.ipynb</a:t>
-            </a:r>
-            <a:endParaRPr sz="2000" dirty="0">
               <a:latin typeface="Carlito"/>
               <a:cs typeface="Carlito"/>
             </a:endParaRPr>
@@ -5093,7 +4904,7 @@
         <p:spPr>
           <a:xfrm>
             <a:off x="1176019" y="1824608"/>
-            <a:ext cx="9765665" cy="3162789"/>
+            <a:ext cx="9765665" cy="1338187"/>
           </a:xfrm>
           <a:prstGeom prst="rect">
             <a:avLst/>
@@ -5448,7 +5259,7 @@
               <a:t> </a:t>
             </a:r>
             <a:r>
-              <a:rPr sz="2000" spc="-5" dirty="0">
+              <a:rPr sz="2000" spc="-5">
                 <a:solidFill>
                   <a:srgbClr val="404040"/>
                 </a:solidFill>
@@ -5456,95 +5267,6 @@
                 <a:cs typeface="Carlito"/>
               </a:rPr>
               <a:t>location.</a:t>
-            </a:r>
-            <a:endParaRPr sz="2000" dirty="0">
-              <a:latin typeface="Carlito"/>
-              <a:cs typeface="Carlito"/>
-            </a:endParaRPr>
-          </a:p>
-          <a:p>
-            <a:pPr marL="12700">
-              <a:lnSpc>
-                <a:spcPct val="100000"/>
-              </a:lnSpc>
-              <a:spcBef>
-                <a:spcPts val="1070"/>
-              </a:spcBef>
-            </a:pPr>
-            <a:r>
-              <a:rPr sz="2000" u="heavy" dirty="0">
-                <a:solidFill>
-                  <a:srgbClr val="404040"/>
-                </a:solidFill>
-                <a:uFill>
-                  <a:solidFill>
-                    <a:srgbClr val="404040"/>
-                  </a:solidFill>
-                </a:uFill>
-                <a:latin typeface="Carlito"/>
-                <a:cs typeface="Carlito"/>
-              </a:rPr>
-              <a:t>GitHub</a:t>
-            </a:r>
-            <a:r>
-              <a:rPr sz="2000" u="heavy" spc="5" dirty="0">
-                <a:solidFill>
-                  <a:srgbClr val="404040"/>
-                </a:solidFill>
-                <a:uFill>
-                  <a:solidFill>
-                    <a:srgbClr val="404040"/>
-                  </a:solidFill>
-                </a:uFill>
-                <a:latin typeface="Carlito"/>
-                <a:cs typeface="Carlito"/>
-              </a:rPr>
-              <a:t> </a:t>
-            </a:r>
-            <a:r>
-              <a:rPr sz="2000" u="heavy" spc="-5" dirty="0">
-                <a:solidFill>
-                  <a:srgbClr val="404040"/>
-                </a:solidFill>
-                <a:uFill>
-                  <a:solidFill>
-                    <a:srgbClr val="404040"/>
-                  </a:solidFill>
-                </a:uFill>
-                <a:latin typeface="Carlito"/>
-                <a:cs typeface="Carlito"/>
-              </a:rPr>
-              <a:t>url:</a:t>
-            </a:r>
-            <a:endParaRPr sz="2000" dirty="0">
-              <a:latin typeface="Carlito"/>
-              <a:cs typeface="Carlito"/>
-            </a:endParaRPr>
-          </a:p>
-          <a:p>
-            <a:pPr marL="12700" marR="7620">
-              <a:lnSpc>
-                <a:spcPct val="150100"/>
-              </a:lnSpc>
-              <a:spcBef>
-                <a:spcPts val="300"/>
-              </a:spcBef>
-            </a:pPr>
-            <a:r>
-              <a:rPr lang="en-IN" sz="2000" u="heavy" spc="-10" dirty="0">
-                <a:solidFill>
-                  <a:srgbClr val="2996E1"/>
-                </a:solidFill>
-                <a:uFill>
-                  <a:solidFill>
-                    <a:srgbClr val="404040"/>
-                  </a:solidFill>
-                </a:uFill>
-                <a:latin typeface="Carlito"/>
-                <a:cs typeface="Carlito"/>
-                <a:hlinkClick r:id="rId2"/>
-              </a:rPr>
-              <a:t>https://github.com/navassherif98/IBM_Data_Science_Professional_Certification/blob/master/10.Applied_Data_Science_Capstone/Week%203%20Interactive%20Visual%20Analytics%20and%20Dashboard/Interactive%20Visual%20Analytics%20with%20Folium.ipynb</a:t>
             </a:r>
             <a:endParaRPr sz="2000" dirty="0">
               <a:latin typeface="Carlito"/>
@@ -5727,7 +5449,7 @@
         <p:spPr>
           <a:xfrm>
             <a:off x="609600" y="1676247"/>
-            <a:ext cx="11430000" cy="4658711"/>
+            <a:ext cx="11430000" cy="2885405"/>
           </a:xfrm>
           <a:prstGeom prst="rect">
             <a:avLst/>
@@ -6505,7 +6227,7 @@
               <a:t> </a:t>
             </a:r>
             <a:r>
-              <a:rPr sz="2000" spc="-45" dirty="0">
+              <a:rPr sz="2000" spc="-45">
                 <a:solidFill>
                   <a:srgbClr val="404040"/>
                 </a:solidFill>
@@ -6513,95 +6235,6 @@
                 <a:cs typeface="Carlito"/>
               </a:rPr>
               <a:t>category.</a:t>
-            </a:r>
-            <a:endParaRPr sz="2000" dirty="0">
-              <a:latin typeface="Carlito"/>
-              <a:cs typeface="Carlito"/>
-            </a:endParaRPr>
-          </a:p>
-          <a:p>
-            <a:pPr marL="12700">
-              <a:lnSpc>
-                <a:spcPct val="100000"/>
-              </a:lnSpc>
-              <a:spcBef>
-                <a:spcPts val="925"/>
-              </a:spcBef>
-            </a:pPr>
-            <a:r>
-              <a:rPr sz="2000" u="heavy" dirty="0">
-                <a:solidFill>
-                  <a:srgbClr val="404040"/>
-                </a:solidFill>
-                <a:uFill>
-                  <a:solidFill>
-                    <a:srgbClr val="404040"/>
-                  </a:solidFill>
-                </a:uFill>
-                <a:latin typeface="Carlito"/>
-                <a:cs typeface="Carlito"/>
-              </a:rPr>
-              <a:t>GitHub</a:t>
-            </a:r>
-            <a:r>
-              <a:rPr sz="2000" u="heavy" spc="5" dirty="0">
-                <a:solidFill>
-                  <a:srgbClr val="404040"/>
-                </a:solidFill>
-                <a:uFill>
-                  <a:solidFill>
-                    <a:srgbClr val="404040"/>
-                  </a:solidFill>
-                </a:uFill>
-                <a:latin typeface="Carlito"/>
-                <a:cs typeface="Carlito"/>
-              </a:rPr>
-              <a:t> </a:t>
-            </a:r>
-            <a:r>
-              <a:rPr sz="2000" u="heavy" spc="-5" dirty="0">
-                <a:solidFill>
-                  <a:srgbClr val="404040"/>
-                </a:solidFill>
-                <a:uFill>
-                  <a:solidFill>
-                    <a:srgbClr val="404040"/>
-                  </a:solidFill>
-                </a:uFill>
-                <a:latin typeface="Carlito"/>
-                <a:cs typeface="Carlito"/>
-              </a:rPr>
-              <a:t>url:</a:t>
-            </a:r>
-            <a:endParaRPr sz="2000" dirty="0">
-              <a:latin typeface="Carlito"/>
-              <a:cs typeface="Carlito"/>
-            </a:endParaRPr>
-          </a:p>
-          <a:p>
-            <a:pPr marL="12700" marR="1557020">
-              <a:lnSpc>
-                <a:spcPct val="150000"/>
-              </a:lnSpc>
-              <a:spcBef>
-                <a:spcPts val="95"/>
-              </a:spcBef>
-            </a:pPr>
-            <a:r>
-              <a:rPr lang="en-IN" sz="2000" u="heavy" spc="-10" dirty="0">
-                <a:solidFill>
-                  <a:srgbClr val="2996E1"/>
-                </a:solidFill>
-                <a:uFill>
-                  <a:solidFill>
-                    <a:srgbClr val="2996E1"/>
-                  </a:solidFill>
-                </a:uFill>
-                <a:latin typeface="Carlito"/>
-                <a:cs typeface="Carlito"/>
-                <a:hlinkClick r:id="rId2"/>
-              </a:rPr>
-              <a:t>https://github.com/navassherif98/IBM_Data_Science_Professional_Certification/blob/master/10.Applied_Data_Science_Capstone/Week%203%20Interactive%20Visual%20Analytics%20and%20Dashboard/spacex_dash_app.py</a:t>
             </a:r>
             <a:endParaRPr sz="2000" dirty="0">
               <a:latin typeface="Carlito"/>
@@ -6726,117 +6359,6 @@
               <a:rPr spc="-280" dirty="0"/>
               <a:t>(Classification)</a:t>
             </a:r>
-          </a:p>
-        </p:txBody>
-      </p:sp>
-      <p:sp>
-        <p:nvSpPr>
-          <p:cNvPr id="4" name="object 4"/>
-          <p:cNvSpPr txBox="1"/>
-          <p:nvPr/>
-        </p:nvSpPr>
-        <p:spPr>
-          <a:xfrm>
-            <a:off x="533401" y="2472309"/>
-            <a:ext cx="3061208" cy="2796278"/>
-          </a:xfrm>
-          <a:prstGeom prst="rect">
-            <a:avLst/>
-          </a:prstGeom>
-        </p:spPr>
-        <p:txBody>
-          <a:bodyPr vert="horz" wrap="square" lIns="0" tIns="13335" rIns="0" bIns="0" rtlCol="0">
-            <a:spAutoFit/>
-          </a:bodyPr>
-          <a:lstStyle/>
-          <a:p>
-            <a:pPr marL="12700">
-              <a:lnSpc>
-                <a:spcPct val="100000"/>
-              </a:lnSpc>
-              <a:spcBef>
-                <a:spcPts val="105"/>
-              </a:spcBef>
-            </a:pPr>
-            <a:r>
-              <a:rPr sz="2000" u="heavy" dirty="0">
-                <a:solidFill>
-                  <a:srgbClr val="404040"/>
-                </a:solidFill>
-                <a:uFill>
-                  <a:solidFill>
-                    <a:srgbClr val="404040"/>
-                  </a:solidFill>
-                </a:uFill>
-                <a:latin typeface="Carlito"/>
-                <a:cs typeface="Carlito"/>
-              </a:rPr>
-              <a:t>GitHub</a:t>
-            </a:r>
-            <a:r>
-              <a:rPr sz="2000" u="heavy" spc="-95" dirty="0">
-                <a:solidFill>
-                  <a:srgbClr val="404040"/>
-                </a:solidFill>
-                <a:uFill>
-                  <a:solidFill>
-                    <a:srgbClr val="404040"/>
-                  </a:solidFill>
-                </a:uFill>
-                <a:latin typeface="Carlito"/>
-                <a:cs typeface="Carlito"/>
-              </a:rPr>
-              <a:t> </a:t>
-            </a:r>
-            <a:r>
-              <a:rPr sz="2000" u="heavy" spc="-5" dirty="0">
-                <a:solidFill>
-                  <a:srgbClr val="404040"/>
-                </a:solidFill>
-                <a:uFill>
-                  <a:solidFill>
-                    <a:srgbClr val="404040"/>
-                  </a:solidFill>
-                </a:uFill>
-                <a:latin typeface="Carlito"/>
-                <a:cs typeface="Carlito"/>
-              </a:rPr>
-              <a:t>url:</a:t>
-            </a:r>
-            <a:endParaRPr lang="en-IN" sz="2000" u="heavy" spc="-5" dirty="0">
-              <a:solidFill>
-                <a:srgbClr val="404040"/>
-              </a:solidFill>
-              <a:uFill>
-                <a:solidFill>
-                  <a:srgbClr val="404040"/>
-                </a:solidFill>
-              </a:uFill>
-              <a:latin typeface="Carlito"/>
-              <a:cs typeface="Carlito"/>
-            </a:endParaRPr>
-          </a:p>
-          <a:p>
-            <a:pPr marL="12700">
-              <a:lnSpc>
-                <a:spcPct val="100000"/>
-              </a:lnSpc>
-              <a:spcBef>
-                <a:spcPts val="105"/>
-              </a:spcBef>
-            </a:pPr>
-            <a:r>
-              <a:rPr lang="en-IN" sz="2000" dirty="0">
-                <a:latin typeface="Carlito"/>
-                <a:cs typeface="Carlito"/>
-                <a:hlinkClick r:id="rId2"/>
-              </a:rPr>
-              <a:t>https://github.com/navassherif98/IBM_Data_Science_Professional_Certification/blob/master/10.Applied_Data_Science_Capstone/Week%204%20Predictive%20Analysis%20(Classification)/Machine%20Learning%20Prediction.ipynb</a:t>
-            </a:r>
-            <a:endParaRPr sz="2000" dirty="0">
-              <a:latin typeface="Carlito"/>
-              <a:cs typeface="Carlito"/>
-            </a:endParaRPr>
           </a:p>
         </p:txBody>
       </p:sp>
@@ -35526,142 +35048,6 @@
           </a:p>
         </p:txBody>
       </p:sp>
-      <p:sp>
-        <p:nvSpPr>
-          <p:cNvPr id="53" name="object 53"/>
-          <p:cNvSpPr txBox="1"/>
-          <p:nvPr/>
-        </p:nvSpPr>
-        <p:spPr>
-          <a:xfrm>
-            <a:off x="535635" y="4830826"/>
-            <a:ext cx="865505" cy="254000"/>
-          </a:xfrm>
-          <a:prstGeom prst="rect">
-            <a:avLst/>
-          </a:prstGeom>
-        </p:spPr>
-        <p:txBody>
-          <a:bodyPr vert="horz" wrap="square" lIns="0" tIns="12700" rIns="0" bIns="0" rtlCol="0">
-            <a:spAutoFit/>
-          </a:bodyPr>
-          <a:lstStyle/>
-          <a:p>
-            <a:pPr marL="12700">
-              <a:lnSpc>
-                <a:spcPct val="100000"/>
-              </a:lnSpc>
-              <a:spcBef>
-                <a:spcPts val="100"/>
-              </a:spcBef>
-            </a:pPr>
-            <a:r>
-              <a:rPr sz="1500" u="sng" spc="-5" dirty="0">
-                <a:solidFill>
-                  <a:srgbClr val="FFFFFF"/>
-                </a:solidFill>
-                <a:uFill>
-                  <a:solidFill>
-                    <a:srgbClr val="FFFFFF"/>
-                  </a:solidFill>
-                </a:uFill>
-                <a:latin typeface="Carlito"/>
-                <a:cs typeface="Carlito"/>
-              </a:rPr>
-              <a:t>GitHub</a:t>
-            </a:r>
-            <a:r>
-              <a:rPr sz="1500" u="sng" spc="-155" dirty="0">
-                <a:solidFill>
-                  <a:srgbClr val="FFFFFF"/>
-                </a:solidFill>
-                <a:uFill>
-                  <a:solidFill>
-                    <a:srgbClr val="FFFFFF"/>
-                  </a:solidFill>
-                </a:uFill>
-                <a:latin typeface="Carlito"/>
-                <a:cs typeface="Carlito"/>
-              </a:rPr>
-              <a:t> </a:t>
-            </a:r>
-            <a:r>
-              <a:rPr sz="1500" u="sng" dirty="0">
-                <a:solidFill>
-                  <a:srgbClr val="FFFFFF"/>
-                </a:solidFill>
-                <a:uFill>
-                  <a:solidFill>
-                    <a:srgbClr val="FFFFFF"/>
-                  </a:solidFill>
-                </a:uFill>
-                <a:latin typeface="Carlito"/>
-                <a:cs typeface="Carlito"/>
-              </a:rPr>
-              <a:t>url:</a:t>
-            </a:r>
-            <a:endParaRPr sz="1500">
-              <a:latin typeface="Carlito"/>
-              <a:cs typeface="Carlito"/>
-            </a:endParaRPr>
-          </a:p>
-        </p:txBody>
-      </p:sp>
-      <p:sp>
-        <p:nvSpPr>
-          <p:cNvPr id="54" name="object 54"/>
-          <p:cNvSpPr txBox="1"/>
-          <p:nvPr/>
-        </p:nvSpPr>
-        <p:spPr>
-          <a:xfrm>
-            <a:off x="535635" y="5215508"/>
-            <a:ext cx="2988945" cy="1271117"/>
-          </a:xfrm>
-          <a:prstGeom prst="rect">
-            <a:avLst/>
-          </a:prstGeom>
-        </p:spPr>
-        <p:txBody>
-          <a:bodyPr vert="horz" wrap="square" lIns="0" tIns="38100" rIns="0" bIns="0" rtlCol="0">
-            <a:spAutoFit/>
-          </a:bodyPr>
-          <a:lstStyle/>
-          <a:p>
-            <a:pPr marL="12700" marR="5080">
-              <a:lnSpc>
-                <a:spcPct val="88900"/>
-              </a:lnSpc>
-              <a:spcBef>
-                <a:spcPts val="300"/>
-              </a:spcBef>
-            </a:pPr>
-            <a:r>
-              <a:rPr lang="en-IN" sz="1500" u="sng" spc="-10" dirty="0">
-                <a:solidFill>
-                  <a:schemeClr val="bg1"/>
-                </a:solidFill>
-                <a:uFill>
-                  <a:solidFill>
-                    <a:srgbClr val="2996E1"/>
-                  </a:solidFill>
-                </a:uFill>
-                <a:latin typeface="Carlito"/>
-                <a:cs typeface="Carlito"/>
-                <a:hlinkClick r:id="rId23"/>
-              </a:rPr>
-              <a:t>https://github.com/navassherif98/IBM_Data_Science_Professional_Certification/blob/master/10.Applied_Data_Science_Capstone/Week%201%20Introduction/Data%20Collection%20Api%20.ipynb</a:t>
-            </a:r>
-            <a:endParaRPr sz="1500" dirty="0">
-              <a:solidFill>
-                <a:schemeClr val="bg1"/>
-              </a:solidFill>
-              <a:latin typeface="Carlito"/>
-              <a:cs typeface="Carlito"/>
-            </a:endParaRPr>
-          </a:p>
-        </p:txBody>
-      </p:sp>
     </p:spTree>
   </p:cSld>
   <p:clrMapOvr>
@@ -35695,11 +35081,14 @@
         </p:nvGrpSpPr>
         <p:grpSpPr>
           <a:xfrm>
-            <a:off x="0" y="0"/>
+            <a:off x="0" y="15758"/>
             <a:ext cx="4104004" cy="6858000"/>
             <a:chOff x="0" y="0"/>
             <a:chExt cx="4104004" cy="6858000"/>
           </a:xfrm>
+          <a:solidFill>
+            <a:schemeClr val="tx1"/>
+          </a:solidFill>
         </p:grpSpPr>
         <p:sp>
           <p:nvSpPr>
@@ -35739,9 +35128,7 @@
                 </a:path>
               </a:pathLst>
             </a:custGeom>
-            <a:solidFill>
-              <a:srgbClr val="BB562C"/>
-            </a:solidFill>
+            <a:grpFill/>
           </p:spPr>
           <p:txBody>
             <a:bodyPr wrap="square" lIns="0" tIns="0" rIns="0" bIns="0" rtlCol="0"/>
@@ -35789,9 +35176,7 @@
                 </a:path>
               </a:pathLst>
             </a:custGeom>
-            <a:solidFill>
-              <a:srgbClr val="E28312"/>
-            </a:solidFill>
+            <a:grpFill/>
           </p:spPr>
           <p:txBody>
             <a:bodyPr wrap="square" lIns="0" tIns="0" rIns="0" bIns="0" rtlCol="0"/>
@@ -35948,7 +35333,9 @@
               <a:avLst/>
             </a:prstGeom>
             <a:blipFill>
-              <a:blip r:embed="rId2" cstate="print"/>
+              <a:blip r:embed="rId2" cstate="print">
+                <a:grayscl/>
+              </a:blip>
               <a:stretch>
                 <a:fillRect/>
               </a:stretch>
@@ -35977,7 +35364,9 @@
               <a:avLst/>
             </a:prstGeom>
             <a:blipFill>
-              <a:blip r:embed="rId3" cstate="print"/>
+              <a:blip r:embed="rId3" cstate="print">
+                <a:grayscl/>
+              </a:blip>
               <a:stretch>
                 <a:fillRect/>
               </a:stretch>
@@ -36006,7 +35395,9 @@
               <a:avLst/>
             </a:prstGeom>
             <a:blipFill>
-              <a:blip r:embed="rId4" cstate="print"/>
+              <a:blip r:embed="rId4" cstate="print">
+                <a:grayscl/>
+              </a:blip>
               <a:stretch>
                 <a:fillRect/>
               </a:stretch>
@@ -36035,7 +35426,9 @@
               <a:avLst/>
             </a:prstGeom>
             <a:blipFill>
-              <a:blip r:embed="rId5" cstate="print"/>
+              <a:blip r:embed="rId5" cstate="print">
+                <a:grayscl/>
+              </a:blip>
               <a:stretch>
                 <a:fillRect/>
               </a:stretch>
@@ -36064,7 +35457,9 @@
               <a:avLst/>
             </a:prstGeom>
             <a:blipFill>
-              <a:blip r:embed="rId6" cstate="print"/>
+              <a:blip r:embed="rId6" cstate="print">
+                <a:grayscl/>
+              </a:blip>
               <a:stretch>
                 <a:fillRect/>
               </a:stretch>
@@ -36195,7 +35590,9 @@
               <a:avLst/>
             </a:prstGeom>
             <a:blipFill>
-              <a:blip r:embed="rId7" cstate="print"/>
+              <a:blip r:embed="rId7" cstate="print">
+                <a:grayscl/>
+              </a:blip>
               <a:stretch>
                 <a:fillRect/>
               </a:stretch>
@@ -36224,7 +35621,9 @@
               <a:avLst/>
             </a:prstGeom>
             <a:blipFill>
-              <a:blip r:embed="rId3" cstate="print"/>
+              <a:blip r:embed="rId3" cstate="print">
+                <a:grayscl/>
+              </a:blip>
               <a:stretch>
                 <a:fillRect/>
               </a:stretch>
@@ -36253,7 +35652,9 @@
               <a:avLst/>
             </a:prstGeom>
             <a:blipFill>
-              <a:blip r:embed="rId4" cstate="print"/>
+              <a:blip r:embed="rId4" cstate="print">
+                <a:grayscl/>
+              </a:blip>
               <a:stretch>
                 <a:fillRect/>
               </a:stretch>
@@ -36282,7 +35683,9 @@
               <a:avLst/>
             </a:prstGeom>
             <a:blipFill>
-              <a:blip r:embed="rId8" cstate="print"/>
+              <a:blip r:embed="rId8" cstate="print">
+                <a:grayscl/>
+              </a:blip>
               <a:stretch>
                 <a:fillRect/>
               </a:stretch>
@@ -36311,7 +35714,9 @@
               <a:avLst/>
             </a:prstGeom>
             <a:blipFill>
-              <a:blip r:embed="rId6" cstate="print"/>
+              <a:blip r:embed="rId6" cstate="print">
+                <a:grayscl/>
+              </a:blip>
               <a:stretch>
                 <a:fillRect/>
               </a:stretch>
@@ -36442,7 +35847,9 @@
               <a:avLst/>
             </a:prstGeom>
             <a:blipFill>
-              <a:blip r:embed="rId9" cstate="print"/>
+              <a:blip r:embed="rId9" cstate="print">
+                <a:grayscl/>
+              </a:blip>
               <a:stretch>
                 <a:fillRect/>
               </a:stretch>
@@ -36471,7 +35878,9 @@
               <a:avLst/>
             </a:prstGeom>
             <a:blipFill>
-              <a:blip r:embed="rId10" cstate="print"/>
+              <a:blip r:embed="rId10" cstate="print">
+                <a:grayscl/>
+              </a:blip>
               <a:stretch>
                 <a:fillRect/>
               </a:stretch>
@@ -36500,7 +35909,9 @@
               <a:avLst/>
             </a:prstGeom>
             <a:blipFill>
-              <a:blip r:embed="rId4" cstate="print"/>
+              <a:blip r:embed="rId4" cstate="print">
+                <a:grayscl/>
+              </a:blip>
               <a:stretch>
                 <a:fillRect/>
               </a:stretch>
@@ -36529,7 +35940,9 @@
               <a:avLst/>
             </a:prstGeom>
             <a:blipFill>
-              <a:blip r:embed="rId11" cstate="print"/>
+              <a:blip r:embed="rId11" cstate="print">
+                <a:grayscl/>
+              </a:blip>
               <a:stretch>
                 <a:fillRect/>
               </a:stretch>
@@ -36558,7 +35971,9 @@
               <a:avLst/>
             </a:prstGeom>
             <a:blipFill>
-              <a:blip r:embed="rId6" cstate="print"/>
+              <a:blip r:embed="rId6" cstate="print">
+                <a:grayscl/>
+              </a:blip>
               <a:stretch>
                 <a:fillRect/>
               </a:stretch>
@@ -36708,7 +36123,9 @@
               <a:avLst/>
             </a:prstGeom>
             <a:blipFill>
-              <a:blip r:embed="rId12" cstate="print"/>
+              <a:blip r:embed="rId12" cstate="print">
+                <a:grayscl/>
+              </a:blip>
               <a:stretch>
                 <a:fillRect/>
               </a:stretch>
@@ -36737,7 +36154,9 @@
               <a:avLst/>
             </a:prstGeom>
             <a:blipFill>
-              <a:blip r:embed="rId13" cstate="print"/>
+              <a:blip r:embed="rId13" cstate="print">
+                <a:grayscl/>
+              </a:blip>
               <a:stretch>
                 <a:fillRect/>
               </a:stretch>
@@ -36766,7 +36185,9 @@
               <a:avLst/>
             </a:prstGeom>
             <a:blipFill>
-              <a:blip r:embed="rId4" cstate="print"/>
+              <a:blip r:embed="rId4" cstate="print">
+                <a:grayscl/>
+              </a:blip>
               <a:stretch>
                 <a:fillRect/>
               </a:stretch>
@@ -36795,7 +36216,9 @@
               <a:avLst/>
             </a:prstGeom>
             <a:blipFill>
-              <a:blip r:embed="rId14" cstate="print"/>
+              <a:blip r:embed="rId14" cstate="print">
+                <a:grayscl/>
+              </a:blip>
               <a:stretch>
                 <a:fillRect/>
               </a:stretch>
@@ -36824,7 +36247,9 @@
               <a:avLst/>
             </a:prstGeom>
             <a:blipFill>
-              <a:blip r:embed="rId6" cstate="print"/>
+              <a:blip r:embed="rId6" cstate="print">
+                <a:grayscl/>
+              </a:blip>
               <a:stretch>
                 <a:fillRect/>
               </a:stretch>
@@ -36934,7 +36359,9 @@
               <a:avLst/>
             </a:prstGeom>
             <a:blipFill>
-              <a:blip r:embed="rId12" cstate="print"/>
+              <a:blip r:embed="rId12" cstate="print">
+                <a:grayscl/>
+              </a:blip>
               <a:stretch>
                 <a:fillRect/>
               </a:stretch>
@@ -36963,7 +36390,9 @@
               <a:avLst/>
             </a:prstGeom>
             <a:blipFill>
-              <a:blip r:embed="rId13" cstate="print"/>
+              <a:blip r:embed="rId13" cstate="print">
+                <a:grayscl/>
+              </a:blip>
               <a:stretch>
                 <a:fillRect/>
               </a:stretch>
@@ -36992,7 +36421,9 @@
               <a:avLst/>
             </a:prstGeom>
             <a:blipFill>
-              <a:blip r:embed="rId4" cstate="print"/>
+              <a:blip r:embed="rId4" cstate="print">
+                <a:grayscl/>
+              </a:blip>
               <a:stretch>
                 <a:fillRect/>
               </a:stretch>
@@ -37021,7 +36452,9 @@
               <a:avLst/>
             </a:prstGeom>
             <a:blipFill>
-              <a:blip r:embed="rId15" cstate="print"/>
+              <a:blip r:embed="rId15" cstate="print">
+                <a:grayscl/>
+              </a:blip>
               <a:stretch>
                 <a:fillRect/>
               </a:stretch>
@@ -37050,7 +36483,9 @@
               <a:avLst/>
             </a:prstGeom>
             <a:blipFill>
-              <a:blip r:embed="rId6" cstate="print"/>
+              <a:blip r:embed="rId6" cstate="print">
+                <a:grayscl/>
+              </a:blip>
               <a:stretch>
                 <a:fillRect/>
               </a:stretch>
@@ -37210,7 +36645,9 @@
               <a:avLst/>
             </a:prstGeom>
             <a:blipFill>
-              <a:blip r:embed="rId4" cstate="print"/>
+              <a:blip r:embed="rId4" cstate="print">
+                <a:grayscl/>
+              </a:blip>
               <a:stretch>
                 <a:fillRect/>
               </a:stretch>
@@ -37239,7 +36676,9 @@
               <a:avLst/>
             </a:prstGeom>
             <a:blipFill>
-              <a:blip r:embed="rId16" cstate="print"/>
+              <a:blip r:embed="rId16" cstate="print">
+                <a:grayscl/>
+              </a:blip>
               <a:stretch>
                 <a:fillRect/>
               </a:stretch>
@@ -37268,7 +36707,9 @@
               <a:avLst/>
             </a:prstGeom>
             <a:blipFill>
-              <a:blip r:embed="rId6" cstate="print"/>
+              <a:blip r:embed="rId6" cstate="print">
+                <a:grayscl/>
+              </a:blip>
               <a:stretch>
                 <a:fillRect/>
               </a:stretch>
@@ -37363,139 +36804,6 @@
               <a:t>DataFrame</a:t>
             </a:r>
             <a:endParaRPr sz="2200">
-              <a:latin typeface="Carlito"/>
-              <a:cs typeface="Carlito"/>
-            </a:endParaRPr>
-          </a:p>
-        </p:txBody>
-      </p:sp>
-      <p:sp>
-        <p:nvSpPr>
-          <p:cNvPr id="46" name="object 46"/>
-          <p:cNvSpPr txBox="1"/>
-          <p:nvPr/>
-        </p:nvSpPr>
-        <p:spPr>
-          <a:xfrm>
-            <a:off x="535635" y="4448302"/>
-            <a:ext cx="865505" cy="254000"/>
-          </a:xfrm>
-          <a:prstGeom prst="rect">
-            <a:avLst/>
-          </a:prstGeom>
-        </p:spPr>
-        <p:txBody>
-          <a:bodyPr vert="horz" wrap="square" lIns="0" tIns="12700" rIns="0" bIns="0" rtlCol="0">
-            <a:spAutoFit/>
-          </a:bodyPr>
-          <a:lstStyle/>
-          <a:p>
-            <a:pPr marL="12700">
-              <a:lnSpc>
-                <a:spcPct val="100000"/>
-              </a:lnSpc>
-              <a:spcBef>
-                <a:spcPts val="100"/>
-              </a:spcBef>
-            </a:pPr>
-            <a:r>
-              <a:rPr sz="1500" u="sng" spc="-5" dirty="0">
-                <a:solidFill>
-                  <a:srgbClr val="FFFFFF"/>
-                </a:solidFill>
-                <a:uFill>
-                  <a:solidFill>
-                    <a:srgbClr val="FFFFFF"/>
-                  </a:solidFill>
-                </a:uFill>
-                <a:latin typeface="Carlito"/>
-                <a:cs typeface="Carlito"/>
-              </a:rPr>
-              <a:t>GitHub</a:t>
-            </a:r>
-            <a:r>
-              <a:rPr sz="1500" u="sng" spc="-155" dirty="0">
-                <a:solidFill>
-                  <a:srgbClr val="FFFFFF"/>
-                </a:solidFill>
-                <a:uFill>
-                  <a:solidFill>
-                    <a:srgbClr val="FFFFFF"/>
-                  </a:solidFill>
-                </a:uFill>
-                <a:latin typeface="Carlito"/>
-                <a:cs typeface="Carlito"/>
-              </a:rPr>
-              <a:t> </a:t>
-            </a:r>
-            <a:r>
-              <a:rPr sz="1500" u="sng" dirty="0">
-                <a:solidFill>
-                  <a:srgbClr val="FFFFFF"/>
-                </a:solidFill>
-                <a:uFill>
-                  <a:solidFill>
-                    <a:srgbClr val="FFFFFF"/>
-                  </a:solidFill>
-                </a:uFill>
-                <a:latin typeface="Carlito"/>
-                <a:cs typeface="Carlito"/>
-              </a:rPr>
-              <a:t>url:</a:t>
-            </a:r>
-            <a:endParaRPr sz="1500">
-              <a:latin typeface="Carlito"/>
-              <a:cs typeface="Carlito"/>
-            </a:endParaRPr>
-          </a:p>
-        </p:txBody>
-      </p:sp>
-      <p:sp>
-        <p:nvSpPr>
-          <p:cNvPr id="47" name="object 47"/>
-          <p:cNvSpPr txBox="1"/>
-          <p:nvPr/>
-        </p:nvSpPr>
-        <p:spPr>
-          <a:xfrm>
-            <a:off x="535635" y="4830826"/>
-            <a:ext cx="2988945" cy="1282402"/>
-          </a:xfrm>
-          <a:prstGeom prst="rect">
-            <a:avLst/>
-          </a:prstGeom>
-        </p:spPr>
-        <p:txBody>
-          <a:bodyPr vert="horz" wrap="square" lIns="0" tIns="35560" rIns="0" bIns="0" rtlCol="0">
-            <a:spAutoFit/>
-          </a:bodyPr>
-          <a:lstStyle/>
-          <a:p>
-            <a:pPr marL="12700" marR="5080">
-              <a:lnSpc>
-                <a:spcPct val="90000"/>
-              </a:lnSpc>
-              <a:spcBef>
-                <a:spcPts val="280"/>
-              </a:spcBef>
-            </a:pPr>
-            <a:r>
-              <a:rPr lang="en-IN" sz="1500" u="sng" spc="-10" dirty="0">
-                <a:solidFill>
-                  <a:srgbClr val="2996E1"/>
-                </a:solidFill>
-                <a:uFill>
-                  <a:solidFill>
-                    <a:srgbClr val="2996E1"/>
-                  </a:solidFill>
-                </a:uFill>
-                <a:latin typeface="Carlito"/>
-                <a:cs typeface="Carlito"/>
-                <a:hlinkClick r:id="rId17"/>
-              </a:rPr>
-              <a:t>https://github.com/navassherif98/IBM_Data_Science_Professional_Certification/blob/master/10.Applied_Data_Science_Capstone/Week%201%20Introduction/Data%20Collection%20with%20Web%20Scraping.ipynb</a:t>
-            </a:r>
-            <a:endParaRPr lang="en-IN" sz="1500" dirty="0">
               <a:latin typeface="Carlito"/>
               <a:cs typeface="Carlito"/>
             </a:endParaRPr>
